--- a/doc/presentation_25_05_2023.pptx
+++ b/doc/presentation_25_05_2023.pptx
@@ -5,10 +5,10 @@
     <p:sldMasterId id="2147483648" r:id="rId4"/>
   </p:sldMasterIdLst>
   <p:notesMasterIdLst>
-    <p:notesMasterId r:id="rId17"/>
+    <p:notesMasterId r:id="rId18"/>
   </p:notesMasterIdLst>
   <p:handoutMasterIdLst>
-    <p:handoutMasterId r:id="rId18"/>
+    <p:handoutMasterId r:id="rId19"/>
   </p:handoutMasterIdLst>
   <p:sldIdLst>
     <p:sldId id="256" r:id="rId5"/>
@@ -21,8 +21,9 @@
     <p:sldId id="274" r:id="rId12"/>
     <p:sldId id="275" r:id="rId13"/>
     <p:sldId id="259" r:id="rId14"/>
-    <p:sldId id="266" r:id="rId15"/>
-    <p:sldId id="271" r:id="rId16"/>
+    <p:sldId id="276" r:id="rId15"/>
+    <p:sldId id="266" r:id="rId16"/>
+    <p:sldId id="271" r:id="rId17"/>
   </p:sldIdLst>
   <p:sldSz cx="12192000" cy="6858000"/>
   <p:notesSz cx="6858000" cy="9144000"/>
@@ -135,7 +136,7 @@
 <file path=ppt/revisionInfo.xml><?xml version="1.0" encoding="utf-8"?>
 <p1510:revInfo xmlns:a="http://schemas.openxmlformats.org/drawingml/2006/main" xmlns:r="http://schemas.openxmlformats.org/officeDocument/2006/relationships" xmlns:p1510="http://schemas.microsoft.com/office/powerpoint/2015/10/main">
   <p1510:revLst>
-    <p1510:client id="{0011BA80-2A07-4B67-80AC-F19AED248CC2}" v="124" dt="2023-05-23T14:07:35.608"/>
+    <p1510:client id="{0011BA80-2A07-4B67-80AC-F19AED248CC2}" v="157" dt="2023-05-23T16:56:50.336"/>
   </p1510:revLst>
 </p1510:revInfo>
 </file>
@@ -145,7 +146,7 @@
   <pc:docChgLst>
     <pc:chgData name="Zoe Lai" userId="8b92de143b34702e" providerId="LiveId" clId="{0011BA80-2A07-4B67-80AC-F19AED248CC2}"/>
     <pc:docChg chg="undo custSel addSld delSld modSld sldOrd">
-      <pc:chgData name="Zoe Lai" userId="8b92de143b34702e" providerId="LiveId" clId="{0011BA80-2A07-4B67-80AC-F19AED248CC2}" dt="2023-05-23T14:08:41.952" v="2145" actId="478"/>
+      <pc:chgData name="Zoe Lai" userId="8b92de143b34702e" providerId="LiveId" clId="{0011BA80-2A07-4B67-80AC-F19AED248CC2}" dt="2023-05-23T16:57:51.350" v="2279" actId="1076"/>
       <pc:docMkLst>
         <pc:docMk/>
       </pc:docMkLst>
@@ -1232,13 +1233,13 @@
         </pc:spChg>
       </pc:sldChg>
       <pc:sldChg chg="delSp modSp mod">
-        <pc:chgData name="Zoe Lai" userId="8b92de143b34702e" providerId="LiveId" clId="{0011BA80-2A07-4B67-80AC-F19AED248CC2}" dt="2023-05-23T14:08:41.952" v="2145" actId="478"/>
+        <pc:chgData name="Zoe Lai" userId="8b92de143b34702e" providerId="LiveId" clId="{0011BA80-2A07-4B67-80AC-F19AED248CC2}" dt="2023-05-23T16:57:51.350" v="2279" actId="1076"/>
         <pc:sldMkLst>
           <pc:docMk/>
           <pc:sldMk cId="1969787568" sldId="271"/>
         </pc:sldMkLst>
         <pc:spChg chg="mod">
-          <ac:chgData name="Zoe Lai" userId="8b92de143b34702e" providerId="LiveId" clId="{0011BA80-2A07-4B67-80AC-F19AED248CC2}" dt="2023-05-23T14:08:38.245" v="2143" actId="1076"/>
+          <ac:chgData name="Zoe Lai" userId="8b92de143b34702e" providerId="LiveId" clId="{0011BA80-2A07-4B67-80AC-F19AED248CC2}" dt="2023-05-23T16:57:51.350" v="2279" actId="1076"/>
           <ac:spMkLst>
             <pc:docMk/>
             <pc:sldMk cId="1969787568" sldId="271"/>
@@ -1479,6 +1480,173 @@
           <pc:docMk/>
           <pc:sldMk cId="2673858122" sldId="276"/>
         </pc:sldMkLst>
+      </pc:sldChg>
+      <pc:sldChg chg="addSp delSp modSp new mod">
+        <pc:chgData name="Zoe Lai" userId="8b92de143b34702e" providerId="LiveId" clId="{0011BA80-2A07-4B67-80AC-F19AED248CC2}" dt="2023-05-23T16:57:25.887" v="2276" actId="1076"/>
+        <pc:sldMkLst>
+          <pc:docMk/>
+          <pc:sldMk cId="2749813818" sldId="276"/>
+        </pc:sldMkLst>
+        <pc:spChg chg="mod">
+          <ac:chgData name="Zoe Lai" userId="8b92de143b34702e" providerId="LiveId" clId="{0011BA80-2A07-4B67-80AC-F19AED248CC2}" dt="2023-05-23T16:57:01.144" v="2270" actId="1076"/>
+          <ac:spMkLst>
+            <pc:docMk/>
+            <pc:sldMk cId="2749813818" sldId="276"/>
+            <ac:spMk id="2" creationId="{CD0869AF-A1F3-7789-FDFA-70A2E878ABA7}"/>
+          </ac:spMkLst>
+        </pc:spChg>
+        <pc:spChg chg="del">
+          <ac:chgData name="Zoe Lai" userId="8b92de143b34702e" providerId="LiveId" clId="{0011BA80-2A07-4B67-80AC-F19AED248CC2}" dt="2023-05-23T16:30:59.915" v="2157" actId="478"/>
+          <ac:spMkLst>
+            <pc:docMk/>
+            <pc:sldMk cId="2749813818" sldId="276"/>
+            <ac:spMk id="3" creationId="{3A6EF8CF-FD4A-78E7-0DEA-5A8CFE8C2B2B}"/>
+          </ac:spMkLst>
+        </pc:spChg>
+        <pc:spChg chg="add del">
+          <ac:chgData name="Zoe Lai" userId="8b92de143b34702e" providerId="LiveId" clId="{0011BA80-2A07-4B67-80AC-F19AED248CC2}" dt="2023-05-23T16:31:17.834" v="2165" actId="478"/>
+          <ac:spMkLst>
+            <pc:docMk/>
+            <pc:sldMk cId="2749813818" sldId="276"/>
+            <ac:spMk id="4" creationId="{ADAA9E66-1259-1D32-0435-88C56F76286F}"/>
+          </ac:spMkLst>
+        </pc:spChg>
+        <pc:spChg chg="add del">
+          <ac:chgData name="Zoe Lai" userId="8b92de143b34702e" providerId="LiveId" clId="{0011BA80-2A07-4B67-80AC-F19AED248CC2}" dt="2023-05-23T16:31:17.834" v="2165" actId="478"/>
+          <ac:spMkLst>
+            <pc:docMk/>
+            <pc:sldMk cId="2749813818" sldId="276"/>
+            <ac:spMk id="5" creationId="{538B6910-3D5B-C1CC-5DB5-6890910C96D2}"/>
+          </ac:spMkLst>
+        </pc:spChg>
+        <pc:spChg chg="del">
+          <ac:chgData name="Zoe Lai" userId="8b92de143b34702e" providerId="LiveId" clId="{0011BA80-2A07-4B67-80AC-F19AED248CC2}" dt="2023-05-23T16:31:00.794" v="2158" actId="478"/>
+          <ac:spMkLst>
+            <pc:docMk/>
+            <pc:sldMk cId="2749813818" sldId="276"/>
+            <ac:spMk id="6" creationId="{1E70401F-2F4D-20C8-F7B3-D068CC490AD7}"/>
+          </ac:spMkLst>
+        </pc:spChg>
+        <pc:spChg chg="add del">
+          <ac:chgData name="Zoe Lai" userId="8b92de143b34702e" providerId="LiveId" clId="{0011BA80-2A07-4B67-80AC-F19AED248CC2}" dt="2023-05-23T16:31:17.834" v="2165" actId="478"/>
+          <ac:spMkLst>
+            <pc:docMk/>
+            <pc:sldMk cId="2749813818" sldId="276"/>
+            <ac:spMk id="7" creationId="{C1E44762-61B0-1698-DC01-C3E36CB22746}"/>
+          </ac:spMkLst>
+        </pc:spChg>
+        <pc:spChg chg="add del">
+          <ac:chgData name="Zoe Lai" userId="8b92de143b34702e" providerId="LiveId" clId="{0011BA80-2A07-4B67-80AC-F19AED248CC2}" dt="2023-05-23T16:31:17.834" v="2165" actId="478"/>
+          <ac:spMkLst>
+            <pc:docMk/>
+            <pc:sldMk cId="2749813818" sldId="276"/>
+            <ac:spMk id="8" creationId="{8582EFF6-0500-0D75-E4C7-9BA6E33B3177}"/>
+          </ac:spMkLst>
+        </pc:spChg>
+        <pc:spChg chg="del">
+          <ac:chgData name="Zoe Lai" userId="8b92de143b34702e" providerId="LiveId" clId="{0011BA80-2A07-4B67-80AC-F19AED248CC2}" dt="2023-05-23T16:31:01.850" v="2159" actId="478"/>
+          <ac:spMkLst>
+            <pc:docMk/>
+            <pc:sldMk cId="2749813818" sldId="276"/>
+            <ac:spMk id="9" creationId="{E349DE88-0E16-EBF8-175F-0EB7166C28FC}"/>
+          </ac:spMkLst>
+        </pc:spChg>
+        <pc:spChg chg="add del">
+          <ac:chgData name="Zoe Lai" userId="8b92de143b34702e" providerId="LiveId" clId="{0011BA80-2A07-4B67-80AC-F19AED248CC2}" dt="2023-05-23T16:31:17.834" v="2165" actId="478"/>
+          <ac:spMkLst>
+            <pc:docMk/>
+            <pc:sldMk cId="2749813818" sldId="276"/>
+            <ac:spMk id="10" creationId="{98B24919-56BA-FAF8-A1A6-099AA93D894D}"/>
+          </ac:spMkLst>
+        </pc:spChg>
+        <pc:spChg chg="add del">
+          <ac:chgData name="Zoe Lai" userId="8b92de143b34702e" providerId="LiveId" clId="{0011BA80-2A07-4B67-80AC-F19AED248CC2}" dt="2023-05-23T16:31:17.834" v="2165" actId="478"/>
+          <ac:spMkLst>
+            <pc:docMk/>
+            <pc:sldMk cId="2749813818" sldId="276"/>
+            <ac:spMk id="11" creationId="{23CE34C6-5001-5A32-D593-DFA52BCFC663}"/>
+          </ac:spMkLst>
+        </pc:spChg>
+        <pc:spChg chg="del">
+          <ac:chgData name="Zoe Lai" userId="8b92de143b34702e" providerId="LiveId" clId="{0011BA80-2A07-4B67-80AC-F19AED248CC2}" dt="2023-05-23T16:31:02.845" v="2160" actId="478"/>
+          <ac:spMkLst>
+            <pc:docMk/>
+            <pc:sldMk cId="2749813818" sldId="276"/>
+            <ac:spMk id="12" creationId="{60B0064B-0059-AD46-2ACC-C4218531790A}"/>
+          </ac:spMkLst>
+        </pc:spChg>
+        <pc:spChg chg="add del">
+          <ac:chgData name="Zoe Lai" userId="8b92de143b34702e" providerId="LiveId" clId="{0011BA80-2A07-4B67-80AC-F19AED248CC2}" dt="2023-05-23T16:31:17.834" v="2165" actId="478"/>
+          <ac:spMkLst>
+            <pc:docMk/>
+            <pc:sldMk cId="2749813818" sldId="276"/>
+            <ac:spMk id="13" creationId="{E71E657F-DBEC-3EC3-F5DF-3960A89E4D68}"/>
+          </ac:spMkLst>
+        </pc:spChg>
+        <pc:spChg chg="add del">
+          <ac:chgData name="Zoe Lai" userId="8b92de143b34702e" providerId="LiveId" clId="{0011BA80-2A07-4B67-80AC-F19AED248CC2}" dt="2023-05-23T16:31:17.834" v="2165" actId="478"/>
+          <ac:spMkLst>
+            <pc:docMk/>
+            <pc:sldMk cId="2749813818" sldId="276"/>
+            <ac:spMk id="14" creationId="{0704CE1E-3F9E-CA38-4593-9DEF89A789EE}"/>
+          </ac:spMkLst>
+        </pc:spChg>
+        <pc:spChg chg="del">
+          <ac:chgData name="Zoe Lai" userId="8b92de143b34702e" providerId="LiveId" clId="{0011BA80-2A07-4B67-80AC-F19AED248CC2}" dt="2023-05-23T16:31:15.111" v="2164" actId="478"/>
+          <ac:spMkLst>
+            <pc:docMk/>
+            <pc:sldMk cId="2749813818" sldId="276"/>
+            <ac:spMk id="15" creationId="{C4282C45-B0DF-5268-B78B-AC85788B161E}"/>
+          </ac:spMkLst>
+        </pc:spChg>
+        <pc:spChg chg="del">
+          <ac:chgData name="Zoe Lai" userId="8b92de143b34702e" providerId="LiveId" clId="{0011BA80-2A07-4B67-80AC-F19AED248CC2}" dt="2023-05-23T16:31:13.536" v="2163" actId="478"/>
+          <ac:spMkLst>
+            <pc:docMk/>
+            <pc:sldMk cId="2749813818" sldId="276"/>
+            <ac:spMk id="16" creationId="{142802FC-D17C-45FF-BD67-2C565883B617}"/>
+          </ac:spMkLst>
+        </pc:spChg>
+        <pc:spChg chg="add del mod">
+          <ac:chgData name="Zoe Lai" userId="8b92de143b34702e" providerId="LiveId" clId="{0011BA80-2A07-4B67-80AC-F19AED248CC2}" dt="2023-05-23T16:32:46.457" v="2171"/>
+          <ac:spMkLst>
+            <pc:docMk/>
+            <pc:sldMk cId="2749813818" sldId="276"/>
+            <ac:spMk id="18" creationId="{C32AF74E-B953-463D-750D-D041C3701450}"/>
+          </ac:spMkLst>
+        </pc:spChg>
+        <pc:spChg chg="add del mod">
+          <ac:chgData name="Zoe Lai" userId="8b92de143b34702e" providerId="LiveId" clId="{0011BA80-2A07-4B67-80AC-F19AED248CC2}" dt="2023-05-23T16:56:54.869" v="2269" actId="478"/>
+          <ac:spMkLst>
+            <pc:docMk/>
+            <pc:sldMk cId="2749813818" sldId="276"/>
+            <ac:spMk id="21" creationId="{DDE498C5-F4AC-2DC9-E44F-CBEAAE26488D}"/>
+          </ac:spMkLst>
+        </pc:spChg>
+        <pc:graphicFrameChg chg="add del mod modGraphic">
+          <ac:chgData name="Zoe Lai" userId="8b92de143b34702e" providerId="LiveId" clId="{0011BA80-2A07-4B67-80AC-F19AED248CC2}" dt="2023-05-23T16:35:21.591" v="2191" actId="478"/>
+          <ac:graphicFrameMkLst>
+            <pc:docMk/>
+            <pc:sldMk cId="2749813818" sldId="276"/>
+            <ac:graphicFrameMk id="19" creationId="{F62C77E3-334D-BEF9-EFF4-D18C95AE4386}"/>
+          </ac:graphicFrameMkLst>
+        </pc:graphicFrameChg>
+        <pc:graphicFrameChg chg="add del mod modGraphic">
+          <ac:chgData name="Zoe Lai" userId="8b92de143b34702e" providerId="LiveId" clId="{0011BA80-2A07-4B67-80AC-F19AED248CC2}" dt="2023-05-23T16:54:17.152" v="2195" actId="478"/>
+          <ac:graphicFrameMkLst>
+            <pc:docMk/>
+            <pc:sldMk cId="2749813818" sldId="276"/>
+            <ac:graphicFrameMk id="20" creationId="{600920E0-B416-7A71-BE41-D1FA36174A45}"/>
+          </ac:graphicFrameMkLst>
+        </pc:graphicFrameChg>
+        <pc:graphicFrameChg chg="add mod modGraphic">
+          <ac:chgData name="Zoe Lai" userId="8b92de143b34702e" providerId="LiveId" clId="{0011BA80-2A07-4B67-80AC-F19AED248CC2}" dt="2023-05-23T16:57:25.887" v="2276" actId="1076"/>
+          <ac:graphicFrameMkLst>
+            <pc:docMk/>
+            <pc:sldMk cId="2749813818" sldId="276"/>
+            <ac:graphicFrameMk id="22" creationId="{E8D03F21-C46A-EE6B-753A-F9B17E76A345}"/>
+          </ac:graphicFrameMkLst>
+        </pc:graphicFrameChg>
       </pc:sldChg>
     </pc:docChg>
   </pc:docChgLst>
@@ -14495,7 +14663,7 @@
           <p:cNvPr id="2" name="Title 1">
             <a:extLst>
               <a:ext uri="{FF2B5EF4-FFF2-40B4-BE49-F238E27FC236}">
-                <a16:creationId xmlns:a16="http://schemas.microsoft.com/office/drawing/2014/main" id="{4518FC28-E0BD-4387-B8BE-9965D1A57FF1}"/>
+                <a16:creationId xmlns:a16="http://schemas.microsoft.com/office/drawing/2014/main" id="{CD0869AF-A1F3-7789-FDFA-70A2E878ABA7}"/>
               </a:ext>
             </a:extLst>
           </p:cNvPr>
@@ -14508,8 +14676,8 @@
         </p:nvSpPr>
         <p:spPr>
           <a:xfrm>
-            <a:off x="734683" y="1665152"/>
-            <a:ext cx="3423249" cy="1995622"/>
+            <a:off x="1885156" y="849045"/>
+            <a:ext cx="8421688" cy="1325563"/>
           </a:xfrm>
         </p:spPr>
         <p:txBody>
@@ -14519,7 +14687,7 @@
           <a:lstStyle/>
           <a:p>
             <a:r>
-              <a:rPr lang="en-US" sz="4000" dirty="0">
+              <a:rPr lang="en-GB" sz="4000" dirty="0">
                 <a:effectLst>
                   <a:outerShdw blurRad="38100" dist="38100" dir="2700000" algn="tl">
                     <a:srgbClr val="000000">
@@ -14528,86 +14696,26 @@
                   </a:outerShdw>
                 </a:effectLst>
               </a:rPr>
-              <a:t>Potential problems</a:t>
-            </a:r>
+              <a:t>Schedule</a:t>
+            </a:r>
+            <a:endParaRPr lang="LID4096" sz="4000" dirty="0">
+              <a:effectLst>
+                <a:outerShdw blurRad="38100" dist="38100" dir="2700000" algn="tl">
+                  <a:srgbClr val="000000">
+                    <a:alpha val="43137"/>
+                  </a:srgbClr>
+                </a:outerShdw>
+              </a:effectLst>
+            </a:endParaRPr>
           </a:p>
         </p:txBody>
       </p:sp>
       <p:sp>
         <p:nvSpPr>
-          <p:cNvPr id="3" name="Text Placeholder 2">
-            <a:extLst>
-              <a:ext uri="{FF2B5EF4-FFF2-40B4-BE49-F238E27FC236}">
-                <a16:creationId xmlns:a16="http://schemas.microsoft.com/office/drawing/2014/main" id="{FED19BCA-B61F-4EA6-A1FB-CCA3BD8506FB}"/>
-              </a:ext>
-            </a:extLst>
-          </p:cNvPr>
-          <p:cNvSpPr>
-            <a:spLocks noGrp="1"/>
-          </p:cNvSpPr>
-          <p:nvPr>
-            <p:ph type="body" idx="1"/>
-          </p:nvPr>
-        </p:nvSpPr>
-        <p:spPr>
-          <a:xfrm>
-            <a:off x="5415504" y="1493163"/>
-            <a:ext cx="5237132" cy="3871673"/>
-          </a:xfrm>
-        </p:spPr>
-        <p:txBody>
-          <a:bodyPr>
-            <a:noAutofit/>
-          </a:bodyPr>
-          <a:lstStyle/>
-          <a:p>
-            <a:pPr marL="457200" indent="-457200">
-              <a:lnSpc>
-                <a:spcPct val="150000"/>
-              </a:lnSpc>
-              <a:buFont typeface="Arial" panose="020B0604020202020204" pitchFamily="34" charset="0"/>
-              <a:buChar char="•"/>
-            </a:pPr>
-            <a:r>
-              <a:rPr lang="en-US" sz="2800" dirty="0"/>
-              <a:t>Insufficient dataset</a:t>
-            </a:r>
-          </a:p>
-          <a:p>
-            <a:pPr marL="457200" indent="-457200">
-              <a:lnSpc>
-                <a:spcPct val="150000"/>
-              </a:lnSpc>
-              <a:buFont typeface="Arial" panose="020B0604020202020204" pitchFamily="34" charset="0"/>
-              <a:buChar char="•"/>
-            </a:pPr>
-            <a:r>
-              <a:rPr lang="en-US" sz="2800" dirty="0"/>
-              <a:t>Incomplete video descriptions</a:t>
-            </a:r>
-          </a:p>
-          <a:p>
-            <a:pPr marL="457200" indent="-457200">
-              <a:lnSpc>
-                <a:spcPct val="150000"/>
-              </a:lnSpc>
-              <a:buFont typeface="Arial" panose="020B0604020202020204" pitchFamily="34" charset="0"/>
-              <a:buChar char="•"/>
-            </a:pPr>
-            <a:r>
-              <a:rPr lang="en-GB" sz="2800" dirty="0"/>
-              <a:t>During scraping deleted commas and semicolons.</a:t>
-            </a:r>
-            <a:endParaRPr lang="en-US" sz="2800" dirty="0"/>
-          </a:p>
-        </p:txBody>
-      </p:sp>
-      <p:sp>
-        <p:nvSpPr>
-          <p:cNvPr id="6" name="Slide Number Placeholder 5">
-            <a:extLst>
-              <a:ext uri="{FF2B5EF4-FFF2-40B4-BE49-F238E27FC236}">
-                <a16:creationId xmlns:a16="http://schemas.microsoft.com/office/drawing/2014/main" id="{7C4B8313-9270-4128-8674-3A3E42B806BC}"/>
+          <p:cNvPr id="17" name="Slide Number Placeholder 16">
+            <a:extLst>
+              <a:ext uri="{FF2B5EF4-FFF2-40B4-BE49-F238E27FC236}">
+                <a16:creationId xmlns:a16="http://schemas.microsoft.com/office/drawing/2014/main" id="{983CA2AB-27AA-60A8-4AC6-C791711C072C}"/>
               </a:ext>
             </a:extLst>
           </p:cNvPr>
@@ -14632,10 +14740,253 @@
           </a:p>
         </p:txBody>
       </p:sp>
+      <p:graphicFrame>
+        <p:nvGraphicFramePr>
+          <p:cNvPr id="22" name="Table 22">
+            <a:extLst>
+              <a:ext uri="{FF2B5EF4-FFF2-40B4-BE49-F238E27FC236}">
+                <a16:creationId xmlns:a16="http://schemas.microsoft.com/office/drawing/2014/main" id="{E8D03F21-C46A-EE6B-753A-F9B17E76A345}"/>
+              </a:ext>
+            </a:extLst>
+          </p:cNvPr>
+          <p:cNvGraphicFramePr>
+            <a:graphicFrameLocks noGrp="1"/>
+          </p:cNvGraphicFramePr>
+          <p:nvPr>
+            <p:extLst>
+              <p:ext uri="{D42A27DB-BD31-4B8C-83A1-F6EECF244321}">
+                <p14:modId xmlns:p14="http://schemas.microsoft.com/office/powerpoint/2010/main" val="733347633"/>
+              </p:ext>
+            </p:extLst>
+          </p:nvPr>
+        </p:nvGraphicFramePr>
+        <p:xfrm>
+          <a:off x="2314515" y="2123601"/>
+          <a:ext cx="7562970" cy="3272505"/>
+        </p:xfrm>
+        <a:graphic>
+          <a:graphicData uri="http://schemas.openxmlformats.org/drawingml/2006/table">
+            <a:tbl>
+              <a:tblPr firstRow="1" bandRow="1">
+                <a:tableStyleId>{F5AB1C69-6EDB-4FF4-983F-18BD219EF322}</a:tableStyleId>
+              </a:tblPr>
+              <a:tblGrid>
+                <a:gridCol w="3781485">
+                  <a:extLst>
+                    <a:ext uri="{9D8B030D-6E8A-4147-A177-3AD203B41FA5}">
+                      <a16:colId xmlns:a16="http://schemas.microsoft.com/office/drawing/2014/main" val="210410213"/>
+                    </a:ext>
+                  </a:extLst>
+                </a:gridCol>
+                <a:gridCol w="3781485">
+                  <a:extLst>
+                    <a:ext uri="{9D8B030D-6E8A-4147-A177-3AD203B41FA5}">
+                      <a16:colId xmlns:a16="http://schemas.microsoft.com/office/drawing/2014/main" val="349157233"/>
+                    </a:ext>
+                  </a:extLst>
+                </a:gridCol>
+              </a:tblGrid>
+              <a:tr h="654501">
+                <a:tc>
+                  <a:txBody>
+                    <a:bodyPr/>
+                    <a:lstStyle/>
+                    <a:p>
+                      <a:pPr algn="ctr"/>
+                      <a:r>
+                        <a:rPr lang="en-GB" sz="2800" dirty="0"/>
+                        <a:t>Timeline</a:t>
+                      </a:r>
+                      <a:endParaRPr lang="LID4096" sz="2800" dirty="0"/>
+                    </a:p>
+                  </a:txBody>
+                  <a:tcPr/>
+                </a:tc>
+                <a:tc>
+                  <a:txBody>
+                    <a:bodyPr/>
+                    <a:lstStyle/>
+                    <a:p>
+                      <a:pPr algn="ctr"/>
+                      <a:r>
+                        <a:rPr lang="en-GB" sz="2800" dirty="0"/>
+                        <a:t>Progress</a:t>
+                      </a:r>
+                      <a:endParaRPr lang="LID4096" sz="2800" dirty="0"/>
+                    </a:p>
+                  </a:txBody>
+                  <a:tcPr/>
+                </a:tc>
+                <a:extLst>
+                  <a:ext uri="{0D108BD9-81ED-4DB2-BD59-A6C34878D82A}">
+                    <a16:rowId xmlns:a16="http://schemas.microsoft.com/office/drawing/2014/main" val="1183858528"/>
+                  </a:ext>
+                </a:extLst>
+              </a:tr>
+              <a:tr h="654501">
+                <a:tc>
+                  <a:txBody>
+                    <a:bodyPr/>
+                    <a:lstStyle/>
+                    <a:p>
+                      <a:pPr algn="ctr"/>
+                      <a:r>
+                        <a:rPr lang="en-GB" sz="2800" dirty="0"/>
+                        <a:t>End of May</a:t>
+                      </a:r>
+                      <a:endParaRPr lang="LID4096" sz="2800" dirty="0"/>
+                    </a:p>
+                  </a:txBody>
+                  <a:tcPr/>
+                </a:tc>
+                <a:tc>
+                  <a:txBody>
+                    <a:bodyPr/>
+                    <a:lstStyle/>
+                    <a:p>
+                      <a:pPr algn="ctr"/>
+                      <a:r>
+                        <a:rPr lang="en-GB" sz="2800" dirty="0"/>
+                        <a:t>Data </a:t>
+                      </a:r>
+                      <a:r>
+                        <a:rPr lang="en-GB" sz="2800" dirty="0" err="1"/>
+                        <a:t>preprocessing</a:t>
+                      </a:r>
+                      <a:r>
+                        <a:rPr lang="en-GB" sz="2800" dirty="0"/>
+                        <a:t> </a:t>
+                      </a:r>
+                      <a:endParaRPr lang="LID4096" sz="2800" dirty="0"/>
+                    </a:p>
+                  </a:txBody>
+                  <a:tcPr/>
+                </a:tc>
+                <a:extLst>
+                  <a:ext uri="{0D108BD9-81ED-4DB2-BD59-A6C34878D82A}">
+                    <a16:rowId xmlns:a16="http://schemas.microsoft.com/office/drawing/2014/main" val="1776504710"/>
+                  </a:ext>
+                </a:extLst>
+              </a:tr>
+              <a:tr h="654501">
+                <a:tc>
+                  <a:txBody>
+                    <a:bodyPr/>
+                    <a:lstStyle/>
+                    <a:p>
+                      <a:pPr algn="ctr"/>
+                      <a:r>
+                        <a:rPr lang="en-GB" sz="2800" dirty="0"/>
+                        <a:t>Mid-June</a:t>
+                      </a:r>
+                      <a:endParaRPr lang="LID4096" sz="2800" dirty="0"/>
+                    </a:p>
+                  </a:txBody>
+                  <a:tcPr/>
+                </a:tc>
+                <a:tc>
+                  <a:txBody>
+                    <a:bodyPr/>
+                    <a:lstStyle/>
+                    <a:p>
+                      <a:pPr algn="ctr"/>
+                      <a:r>
+                        <a:rPr lang="en-GB" sz="2800" dirty="0"/>
+                        <a:t>Model selection </a:t>
+                      </a:r>
+                      <a:endParaRPr lang="LID4096" sz="2800" dirty="0"/>
+                    </a:p>
+                  </a:txBody>
+                  <a:tcPr/>
+                </a:tc>
+                <a:extLst>
+                  <a:ext uri="{0D108BD9-81ED-4DB2-BD59-A6C34878D82A}">
+                    <a16:rowId xmlns:a16="http://schemas.microsoft.com/office/drawing/2014/main" val="2564881033"/>
+                  </a:ext>
+                </a:extLst>
+              </a:tr>
+              <a:tr h="654501">
+                <a:tc>
+                  <a:txBody>
+                    <a:bodyPr/>
+                    <a:lstStyle/>
+                    <a:p>
+                      <a:pPr algn="ctr"/>
+                      <a:r>
+                        <a:rPr lang="en-GB" sz="2800" dirty="0"/>
+                        <a:t>End of June</a:t>
+                      </a:r>
+                      <a:endParaRPr lang="LID4096" sz="2800" dirty="0"/>
+                    </a:p>
+                  </a:txBody>
+                  <a:tcPr/>
+                </a:tc>
+                <a:tc>
+                  <a:txBody>
+                    <a:bodyPr/>
+                    <a:lstStyle/>
+                    <a:p>
+                      <a:pPr algn="ctr"/>
+                      <a:r>
+                        <a:rPr lang="en-GB" sz="2800" dirty="0"/>
+                        <a:t>Model application </a:t>
+                      </a:r>
+                      <a:endParaRPr lang="LID4096" sz="2800" dirty="0"/>
+                    </a:p>
+                  </a:txBody>
+                  <a:tcPr/>
+                </a:tc>
+                <a:extLst>
+                  <a:ext uri="{0D108BD9-81ED-4DB2-BD59-A6C34878D82A}">
+                    <a16:rowId xmlns:a16="http://schemas.microsoft.com/office/drawing/2014/main" val="2396411708"/>
+                  </a:ext>
+                </a:extLst>
+              </a:tr>
+              <a:tr h="654501">
+                <a:tc>
+                  <a:txBody>
+                    <a:bodyPr/>
+                    <a:lstStyle/>
+                    <a:p>
+                      <a:pPr algn="ctr"/>
+                      <a:r>
+                        <a:rPr lang="en-GB" sz="2800" dirty="0"/>
+                        <a:t>Mid-July</a:t>
+                      </a:r>
+                      <a:endParaRPr lang="LID4096" sz="2800" dirty="0"/>
+                    </a:p>
+                  </a:txBody>
+                  <a:tcPr/>
+                </a:tc>
+                <a:tc>
+                  <a:txBody>
+                    <a:bodyPr/>
+                    <a:lstStyle/>
+                    <a:p>
+                      <a:pPr algn="ctr"/>
+                      <a:r>
+                        <a:rPr lang="en-GB" sz="2800" dirty="0"/>
+                        <a:t>Evaluation</a:t>
+                      </a:r>
+                      <a:endParaRPr lang="LID4096" sz="2800" dirty="0"/>
+                    </a:p>
+                  </a:txBody>
+                  <a:tcPr/>
+                </a:tc>
+                <a:extLst>
+                  <a:ext uri="{0D108BD9-81ED-4DB2-BD59-A6C34878D82A}">
+                    <a16:rowId xmlns:a16="http://schemas.microsoft.com/office/drawing/2014/main" val="2081238600"/>
+                  </a:ext>
+                </a:extLst>
+              </a:tr>
+            </a:tbl>
+          </a:graphicData>
+        </a:graphic>
+      </p:graphicFrame>
     </p:spTree>
     <p:extLst>
       <p:ext uri="{BB962C8B-B14F-4D97-AF65-F5344CB8AC3E}">
-        <p14:creationId xmlns:p14="http://schemas.microsoft.com/office/powerpoint/2010/main" val="1742861620"/>
+        <p14:creationId xmlns:p14="http://schemas.microsoft.com/office/powerpoint/2010/main" val="2749813818"/>
       </p:ext>
     </p:extLst>
   </p:cSld>
@@ -14667,7 +15018,7 @@
           <p:cNvPr id="2" name="Title 1">
             <a:extLst>
               <a:ext uri="{FF2B5EF4-FFF2-40B4-BE49-F238E27FC236}">
-                <a16:creationId xmlns:a16="http://schemas.microsoft.com/office/drawing/2014/main" id="{8BDF1EDE-5423-435C-B149-87AB1BC22B83}"/>
+                <a16:creationId xmlns:a16="http://schemas.microsoft.com/office/drawing/2014/main" id="{4518FC28-E0BD-4387-B8BE-9965D1A57FF1}"/>
               </a:ext>
             </a:extLst>
           </p:cNvPr>
@@ -14675,23 +15026,102 @@
             <a:spLocks noGrp="1"/>
           </p:cNvSpPr>
           <p:nvPr>
-            <p:ph type="ctrTitle"/>
+            <p:ph type="title"/>
           </p:nvPr>
         </p:nvSpPr>
         <p:spPr>
           <a:xfrm>
-            <a:off x="4267200" y="2236838"/>
-            <a:ext cx="4179570" cy="1524735"/>
+            <a:off x="734683" y="1665152"/>
+            <a:ext cx="3423249" cy="1995622"/>
           </a:xfrm>
         </p:spPr>
         <p:txBody>
-          <a:bodyPr/>
+          <a:bodyPr>
+            <a:normAutofit/>
+          </a:bodyPr>
           <a:lstStyle/>
           <a:p>
             <a:r>
-              <a:rPr lang="en-US" dirty="0"/>
-              <a:t>THANK YOU</a:t>
-            </a:r>
+              <a:rPr lang="en-US" sz="4000" dirty="0">
+                <a:effectLst>
+                  <a:outerShdw blurRad="38100" dist="38100" dir="2700000" algn="tl">
+                    <a:srgbClr val="000000">
+                      <a:alpha val="43137"/>
+                    </a:srgbClr>
+                  </a:outerShdw>
+                </a:effectLst>
+              </a:rPr>
+              <a:t>Potential problems</a:t>
+            </a:r>
+          </a:p>
+        </p:txBody>
+      </p:sp>
+      <p:sp>
+        <p:nvSpPr>
+          <p:cNvPr id="3" name="Text Placeholder 2">
+            <a:extLst>
+              <a:ext uri="{FF2B5EF4-FFF2-40B4-BE49-F238E27FC236}">
+                <a16:creationId xmlns:a16="http://schemas.microsoft.com/office/drawing/2014/main" id="{FED19BCA-B61F-4EA6-A1FB-CCA3BD8506FB}"/>
+              </a:ext>
+            </a:extLst>
+          </p:cNvPr>
+          <p:cNvSpPr>
+            <a:spLocks noGrp="1"/>
+          </p:cNvSpPr>
+          <p:nvPr>
+            <p:ph type="body" idx="1"/>
+          </p:nvPr>
+        </p:nvSpPr>
+        <p:spPr>
+          <a:xfrm>
+            <a:off x="5415504" y="1493163"/>
+            <a:ext cx="5237132" cy="3871673"/>
+          </a:xfrm>
+        </p:spPr>
+        <p:txBody>
+          <a:bodyPr>
+            <a:noAutofit/>
+          </a:bodyPr>
+          <a:lstStyle/>
+          <a:p>
+            <a:pPr marL="457200" indent="-457200">
+              <a:lnSpc>
+                <a:spcPct val="150000"/>
+              </a:lnSpc>
+              <a:buFont typeface="Arial" panose="020B0604020202020204" pitchFamily="34" charset="0"/>
+              <a:buChar char="•"/>
+            </a:pPr>
+            <a:r>
+              <a:rPr lang="en-US" sz="2800" dirty="0"/>
+              <a:t>Insufficient dataset</a:t>
+            </a:r>
+          </a:p>
+          <a:p>
+            <a:pPr marL="457200" indent="-457200">
+              <a:lnSpc>
+                <a:spcPct val="150000"/>
+              </a:lnSpc>
+              <a:buFont typeface="Arial" panose="020B0604020202020204" pitchFamily="34" charset="0"/>
+              <a:buChar char="•"/>
+            </a:pPr>
+            <a:r>
+              <a:rPr lang="en-US" sz="2800" dirty="0"/>
+              <a:t>Incomplete video descriptions</a:t>
+            </a:r>
+          </a:p>
+          <a:p>
+            <a:pPr marL="457200" indent="-457200">
+              <a:lnSpc>
+                <a:spcPct val="150000"/>
+              </a:lnSpc>
+              <a:buFont typeface="Arial" panose="020B0604020202020204" pitchFamily="34" charset="0"/>
+              <a:buChar char="•"/>
+            </a:pPr>
+            <a:r>
+              <a:rPr lang="en-GB" sz="2800" dirty="0"/>
+              <a:t>During scraping deleted commas and semicolons.</a:t>
+            </a:r>
+            <a:endParaRPr lang="en-US" sz="2800" dirty="0"/>
           </a:p>
         </p:txBody>
       </p:sp>
@@ -14700,7 +15130,7 @@
           <p:cNvPr id="6" name="Slide Number Placeholder 5">
             <a:extLst>
               <a:ext uri="{FF2B5EF4-FFF2-40B4-BE49-F238E27FC236}">
-                <a16:creationId xmlns:a16="http://schemas.microsoft.com/office/drawing/2014/main" id="{4C127D99-645F-4FCF-9573-FDFE2A344FA9}"/>
+                <a16:creationId xmlns:a16="http://schemas.microsoft.com/office/drawing/2014/main" id="{7C4B8313-9270-4128-8674-3A3E42B806BC}"/>
               </a:ext>
             </a:extLst>
           </p:cNvPr>
@@ -14720,6 +15150,100 @@
               <a:rPr lang="en-US" smtClean="0"/>
               <a:pPr/>
               <a:t>12</a:t>
+            </a:fld>
+            <a:endParaRPr lang="en-US" dirty="0"/>
+          </a:p>
+        </p:txBody>
+      </p:sp>
+    </p:spTree>
+    <p:extLst>
+      <p:ext uri="{BB962C8B-B14F-4D97-AF65-F5344CB8AC3E}">
+        <p14:creationId xmlns:p14="http://schemas.microsoft.com/office/powerpoint/2010/main" val="1742861620"/>
+      </p:ext>
+    </p:extLst>
+  </p:cSld>
+  <p:clrMapOvr>
+    <a:masterClrMapping/>
+  </p:clrMapOvr>
+</p:sld>
+</file>
+
+<file path=ppt/slides/slide13.xml><?xml version="1.0" encoding="utf-8"?>
+<p:sld xmlns:a="http://schemas.openxmlformats.org/drawingml/2006/main" xmlns:r="http://schemas.openxmlformats.org/officeDocument/2006/relationships" xmlns:p="http://schemas.openxmlformats.org/presentationml/2006/main">
+  <p:cSld>
+    <p:spTree>
+      <p:nvGrpSpPr>
+        <p:cNvPr id="1" name=""/>
+        <p:cNvGrpSpPr/>
+        <p:nvPr/>
+      </p:nvGrpSpPr>
+      <p:grpSpPr>
+        <a:xfrm>
+          <a:off x="0" y="0"/>
+          <a:ext cx="0" cy="0"/>
+          <a:chOff x="0" y="0"/>
+          <a:chExt cx="0" cy="0"/>
+        </a:xfrm>
+      </p:grpSpPr>
+      <p:sp>
+        <p:nvSpPr>
+          <p:cNvPr id="2" name="Title 1">
+            <a:extLst>
+              <a:ext uri="{FF2B5EF4-FFF2-40B4-BE49-F238E27FC236}">
+                <a16:creationId xmlns:a16="http://schemas.microsoft.com/office/drawing/2014/main" id="{8BDF1EDE-5423-435C-B149-87AB1BC22B83}"/>
+              </a:ext>
+            </a:extLst>
+          </p:cNvPr>
+          <p:cNvSpPr>
+            <a:spLocks noGrp="1"/>
+          </p:cNvSpPr>
+          <p:nvPr>
+            <p:ph type="ctrTitle"/>
+          </p:nvPr>
+        </p:nvSpPr>
+        <p:spPr>
+          <a:xfrm>
+            <a:off x="4006215" y="2666632"/>
+            <a:ext cx="4179570" cy="1524735"/>
+          </a:xfrm>
+        </p:spPr>
+        <p:txBody>
+          <a:bodyPr anchor="ctr"/>
+          <a:lstStyle/>
+          <a:p>
+            <a:pPr algn="ctr"/>
+            <a:r>
+              <a:rPr lang="en-US" dirty="0"/>
+              <a:t>THANK YOU</a:t>
+            </a:r>
+          </a:p>
+        </p:txBody>
+      </p:sp>
+      <p:sp>
+        <p:nvSpPr>
+          <p:cNvPr id="6" name="Slide Number Placeholder 5">
+            <a:extLst>
+              <a:ext uri="{FF2B5EF4-FFF2-40B4-BE49-F238E27FC236}">
+                <a16:creationId xmlns:a16="http://schemas.microsoft.com/office/drawing/2014/main" id="{4C127D99-645F-4FCF-9573-FDFE2A344FA9}"/>
+              </a:ext>
+            </a:extLst>
+          </p:cNvPr>
+          <p:cNvSpPr>
+            <a:spLocks noGrp="1"/>
+          </p:cNvSpPr>
+          <p:nvPr>
+            <p:ph type="sldNum" sz="quarter" idx="12"/>
+          </p:nvPr>
+        </p:nvSpPr>
+        <p:spPr/>
+        <p:txBody>
+          <a:bodyPr/>
+          <a:lstStyle/>
+          <a:p>
+            <a:fld id="{A49DFD55-3C28-40EF-9E31-A92D2E4017FF}" type="slidenum">
+              <a:rPr lang="en-US" smtClean="0"/>
+              <a:pPr/>
+              <a:t>13</a:t>
             </a:fld>
             <a:endParaRPr lang="en-US" dirty="0"/>
           </a:p>
@@ -17617,12 +18141,22 @@
 </file>
 
 <file path=customXml/item1.xml><?xml version="1.0" encoding="utf-8"?>
-<?mso-contentType ?>
-<FormTemplates xmlns="http://schemas.microsoft.com/sharepoint/v3/contenttype/forms">
-  <Display>DocumentLibraryForm</Display>
-  <Edit>DocumentLibraryForm</Edit>
-  <New>DocumentLibraryForm</New>
-</FormTemplates>
+<p:properties xmlns:p="http://schemas.microsoft.com/office/2006/metadata/properties" xmlns:xsi="http://www.w3.org/2001/XMLSchema-instance" xmlns:pc="http://schemas.microsoft.com/office/infopath/2007/PartnerControls">
+  <documentManagement>
+    <_ip_UnifiedCompliancePolicyUIAction xmlns="http://schemas.microsoft.com/sharepoint/v3" xsi:nil="true"/>
+    <Image xmlns="71af3243-3dd4-4a8d-8c0d-dd76da1f02a5">
+      <Url xsi:nil="true"/>
+      <Description xsi:nil="true"/>
+    </Image>
+    <Status xmlns="71af3243-3dd4-4a8d-8c0d-dd76da1f02a5">Not started</Status>
+    <_ip_UnifiedCompliancePolicyProperties xmlns="http://schemas.microsoft.com/sharepoint/v3" xsi:nil="true"/>
+    <ImageTagsTaxHTField xmlns="71af3243-3dd4-4a8d-8c0d-dd76da1f02a5">
+      <Terms xmlns="http://schemas.microsoft.com/office/infopath/2007/PartnerControls"/>
+    </ImageTagsTaxHTField>
+    <TaxCatchAll xmlns="230e9df3-be65-4c73-a93b-d1236ebd677e"/>
+    <MediaServiceKeyPoints xmlns="71af3243-3dd4-4a8d-8c0d-dd76da1f02a5" xsi:nil="true"/>
+  </documentManagement>
+</p:properties>
 </file>
 
 <file path=customXml/item2.xml><?xml version="1.0" encoding="utf-8"?>
@@ -17902,28 +18436,22 @@
 </file>
 
 <file path=customXml/item3.xml><?xml version="1.0" encoding="utf-8"?>
-<p:properties xmlns:p="http://schemas.microsoft.com/office/2006/metadata/properties" xmlns:xsi="http://www.w3.org/2001/XMLSchema-instance" xmlns:pc="http://schemas.microsoft.com/office/infopath/2007/PartnerControls">
-  <documentManagement>
-    <_ip_UnifiedCompliancePolicyUIAction xmlns="http://schemas.microsoft.com/sharepoint/v3" xsi:nil="true"/>
-    <Image xmlns="71af3243-3dd4-4a8d-8c0d-dd76da1f02a5">
-      <Url xsi:nil="true"/>
-      <Description xsi:nil="true"/>
-    </Image>
-    <Status xmlns="71af3243-3dd4-4a8d-8c0d-dd76da1f02a5">Not started</Status>
-    <_ip_UnifiedCompliancePolicyProperties xmlns="http://schemas.microsoft.com/sharepoint/v3" xsi:nil="true"/>
-    <ImageTagsTaxHTField xmlns="71af3243-3dd4-4a8d-8c0d-dd76da1f02a5">
-      <Terms xmlns="http://schemas.microsoft.com/office/infopath/2007/PartnerControls"/>
-    </ImageTagsTaxHTField>
-    <TaxCatchAll xmlns="230e9df3-be65-4c73-a93b-d1236ebd677e"/>
-    <MediaServiceKeyPoints xmlns="71af3243-3dd4-4a8d-8c0d-dd76da1f02a5" xsi:nil="true"/>
-  </documentManagement>
-</p:properties>
+<?mso-contentType ?>
+<FormTemplates xmlns="http://schemas.microsoft.com/sharepoint/v3/contenttype/forms">
+  <Display>DocumentLibraryForm</Display>
+  <Edit>DocumentLibraryForm</Edit>
+  <New>DocumentLibraryForm</New>
+</FormTemplates>
 </file>
 
 <file path=customXml/itemProps1.xml><?xml version="1.0" encoding="utf-8"?>
-<ds:datastoreItem xmlns:ds="http://schemas.openxmlformats.org/officeDocument/2006/customXml" ds:itemID="{0FD6FE22-81A0-4500-AFD0-342D21BB9A2C}">
+<ds:datastoreItem xmlns:ds="http://schemas.openxmlformats.org/officeDocument/2006/customXml" ds:itemID="{29C43685-694E-4579-B109-3C418D49DA65}">
   <ds:schemaRefs>
-    <ds:schemaRef ds:uri="http://schemas.microsoft.com/sharepoint/v3/contenttype/forms"/>
+    <ds:schemaRef ds:uri="http://schemas.microsoft.com/office/2006/metadata/properties"/>
+    <ds:schemaRef ds:uri="http://schemas.microsoft.com/office/infopath/2007/PartnerControls"/>
+    <ds:schemaRef ds:uri="http://schemas.microsoft.com/sharepoint/v3"/>
+    <ds:schemaRef ds:uri="71af3243-3dd4-4a8d-8c0d-dd76da1f02a5"/>
+    <ds:schemaRef ds:uri="230e9df3-be65-4c73-a93b-d1236ebd677e"/>
   </ds:schemaRefs>
 </ds:datastoreItem>
 </file>
@@ -17950,13 +18478,9 @@
 </file>
 
 <file path=customXml/itemProps3.xml><?xml version="1.0" encoding="utf-8"?>
-<ds:datastoreItem xmlns:ds="http://schemas.openxmlformats.org/officeDocument/2006/customXml" ds:itemID="{29C43685-694E-4579-B109-3C418D49DA65}">
+<ds:datastoreItem xmlns:ds="http://schemas.openxmlformats.org/officeDocument/2006/customXml" ds:itemID="{0FD6FE22-81A0-4500-AFD0-342D21BB9A2C}">
   <ds:schemaRefs>
-    <ds:schemaRef ds:uri="http://schemas.microsoft.com/office/2006/metadata/properties"/>
-    <ds:schemaRef ds:uri="http://schemas.microsoft.com/office/infopath/2007/PartnerControls"/>
-    <ds:schemaRef ds:uri="http://schemas.microsoft.com/sharepoint/v3"/>
-    <ds:schemaRef ds:uri="71af3243-3dd4-4a8d-8c0d-dd76da1f02a5"/>
-    <ds:schemaRef ds:uri="230e9df3-be65-4c73-a93b-d1236ebd677e"/>
+    <ds:schemaRef ds:uri="http://schemas.microsoft.com/sharepoint/v3/contenttype/forms"/>
   </ds:schemaRefs>
 </ds:datastoreItem>
 </file>
